--- a/tutorial42/RUST_TUTORIAL_42_SLIDE.pptx
+++ b/tutorial42/RUST_TUTORIAL_42_SLIDE.pptx
@@ -5,11 +5,12 @@
     <p:sldMasterId id="2147483648" r:id="rId1"/>
   </p:sldMasterIdLst>
   <p:notesMasterIdLst>
-    <p:notesMasterId r:id="rId4"/>
+    <p:notesMasterId r:id="rId5"/>
   </p:notesMasterIdLst>
   <p:sldIdLst>
     <p:sldId id="261" r:id="rId2"/>
     <p:sldId id="262" r:id="rId3"/>
+    <p:sldId id="263" r:id="rId4"/>
   </p:sldIdLst>
   <p:sldSz cx="12192000" cy="6858000"/>
   <p:notesSz cx="6858000" cy="9144000"/>
@@ -4546,10 +4547,649 @@
           </a:p>
         </p:txBody>
       </p:sp>
+      <p:pic>
+        <p:nvPicPr>
+          <p:cNvPr id="7" name="Picture 6" descr="A close up of a logo&#10;&#10;Description automatically generated">
+            <a:extLst>
+              <a:ext uri="{FF2B5EF4-FFF2-40B4-BE49-F238E27FC236}">
+                <a16:creationId xmlns:a16="http://schemas.microsoft.com/office/drawing/2014/main" id="{C970E63C-F8B5-9049-BF9D-39FA27595A8B}"/>
+              </a:ext>
+            </a:extLst>
+          </p:cNvPr>
+          <p:cNvPicPr>
+            <a:picLocks noChangeAspect="1"/>
+          </p:cNvPicPr>
+          <p:nvPr/>
+        </p:nvPicPr>
+        <p:blipFill>
+          <a:blip r:embed="rId2"/>
+          <a:stretch>
+            <a:fillRect/>
+          </a:stretch>
+        </p:blipFill>
+        <p:spPr>
+          <a:xfrm>
+            <a:off x="4941560" y="344487"/>
+            <a:ext cx="5578822" cy="5829300"/>
+          </a:xfrm>
+          <a:prstGeom prst="rect">
+            <a:avLst/>
+          </a:prstGeom>
+        </p:spPr>
+      </p:pic>
     </p:spTree>
     <p:extLst>
       <p:ext uri="{BB962C8B-B14F-4D97-AF65-F5344CB8AC3E}">
         <p14:creationId xmlns:p14="http://schemas.microsoft.com/office/powerpoint/2010/main" val="2471438983"/>
+      </p:ext>
+    </p:extLst>
+  </p:cSld>
+  <p:clrMapOvr>
+    <a:masterClrMapping/>
+  </p:clrMapOvr>
+</p:sld>
+</file>
+
+<file path=ppt/slides/slide3.xml><?xml version="1.0" encoding="utf-8"?>
+<p:sld xmlns:a="http://schemas.openxmlformats.org/drawingml/2006/main" xmlns:r="http://schemas.openxmlformats.org/officeDocument/2006/relationships" xmlns:p="http://schemas.openxmlformats.org/presentationml/2006/main">
+  <p:cSld>
+    <p:bg>
+      <p:bgPr>
+        <a:solidFill>
+          <a:schemeClr val="bg1"/>
+        </a:solidFill>
+        <a:effectLst/>
+      </p:bgPr>
+    </p:bg>
+    <p:spTree>
+      <p:nvGrpSpPr>
+        <p:cNvPr id="1" name=""/>
+        <p:cNvGrpSpPr/>
+        <p:nvPr/>
+      </p:nvGrpSpPr>
+      <p:grpSpPr>
+        <a:xfrm>
+          <a:off x="0" y="0"/>
+          <a:ext cx="0" cy="0"/>
+          <a:chOff x="0" y="0"/>
+          <a:chExt cx="0" cy="0"/>
+        </a:xfrm>
+      </p:grpSpPr>
+      <p:sp useBgFill="1">
+        <p:nvSpPr>
+          <p:cNvPr id="27" name="Rectangle 26">
+            <a:extLst>
+              <a:ext uri="{FF2B5EF4-FFF2-40B4-BE49-F238E27FC236}">
+                <a16:creationId xmlns:a16="http://schemas.microsoft.com/office/drawing/2014/main" id="{907EF6B7-1338-4443-8C46-6A318D952DFD}"/>
+              </a:ext>
+              <a:ext uri="{C183D7F6-B498-43B3-948B-1728B52AA6E4}">
+                <adec:decorative xmlns:adec="http://schemas.microsoft.com/office/drawing/2017/decorative" val="1"/>
+              </a:ext>
+            </a:extLst>
+          </p:cNvPr>
+          <p:cNvSpPr>
+            <a:spLocks noGrp="1" noRot="1" noChangeAspect="1" noMove="1" noResize="1" noEditPoints="1" noAdjustHandles="1" noChangeArrowheads="1" noChangeShapeType="1" noTextEdit="1"/>
+          </p:cNvSpPr>
+          <p:nvPr>
+            <p:extLst>
+              <p:ext uri="{386F3935-93C4-4BCD-93E2-E3B085C9AB24}">
+                <p16:designElem xmlns:p16="http://schemas.microsoft.com/office/powerpoint/2015/main" val="1"/>
+              </p:ext>
+            </p:extLst>
+          </p:nvPr>
+        </p:nvSpPr>
+        <p:spPr>
+          <a:xfrm>
+            <a:off x="3048" y="0"/>
+            <a:ext cx="12188952" cy="6858000"/>
+          </a:xfrm>
+          <a:prstGeom prst="rect">
+            <a:avLst/>
+          </a:prstGeom>
+          <a:ln>
+            <a:noFill/>
+          </a:ln>
+        </p:spPr>
+        <p:style>
+          <a:lnRef idx="2">
+            <a:schemeClr val="accent1">
+              <a:shade val="50000"/>
+            </a:schemeClr>
+          </a:lnRef>
+          <a:fillRef idx="1">
+            <a:schemeClr val="accent1"/>
+          </a:fillRef>
+          <a:effectRef idx="0">
+            <a:schemeClr val="accent1"/>
+          </a:effectRef>
+          <a:fontRef idx="minor">
+            <a:schemeClr val="lt1"/>
+          </a:fontRef>
+        </p:style>
+        <p:txBody>
+          <a:bodyPr rtlCol="0" anchor="ctr"/>
+          <a:lstStyle/>
+          <a:p>
+            <a:pPr algn="ctr"/>
+            <a:endParaRPr lang="en-US"/>
+          </a:p>
+        </p:txBody>
+      </p:sp>
+      <p:sp>
+        <p:nvSpPr>
+          <p:cNvPr id="29" name="Freeform: Shape 28">
+            <a:extLst>
+              <a:ext uri="{FF2B5EF4-FFF2-40B4-BE49-F238E27FC236}">
+                <a16:creationId xmlns:a16="http://schemas.microsoft.com/office/drawing/2014/main" id="{DAAE4CDD-124C-4DCF-9584-B6033B545DD5}"/>
+              </a:ext>
+              <a:ext uri="{C183D7F6-B498-43B3-948B-1728B52AA6E4}">
+                <adec:decorative xmlns:adec="http://schemas.microsoft.com/office/drawing/2017/decorative" val="1"/>
+              </a:ext>
+            </a:extLst>
+          </p:cNvPr>
+          <p:cNvSpPr>
+            <a:spLocks noGrp="1" noRot="1" noChangeAspect="1" noMove="1" noResize="1" noEditPoints="1" noAdjustHandles="1" noChangeArrowheads="1" noChangeShapeType="1" noTextEdit="1"/>
+          </p:cNvSpPr>
+          <p:nvPr>
+            <p:extLst>
+              <p:ext uri="{386F3935-93C4-4BCD-93E2-E3B085C9AB24}">
+                <p16:designElem xmlns:p16="http://schemas.microsoft.com/office/powerpoint/2015/main" val="1"/>
+              </p:ext>
+            </p:extLst>
+          </p:nvPr>
+        </p:nvSpPr>
+        <p:spPr>
+          <a:xfrm>
+            <a:off x="1" y="0"/>
+            <a:ext cx="4167271" cy="6858000"/>
+          </a:xfrm>
+          <a:custGeom>
+            <a:avLst/>
+            <a:gdLst>
+              <a:gd name="connsiteX0" fmla="*/ 0 w 4167271"/>
+              <a:gd name="connsiteY0" fmla="*/ 0 h 6858000"/>
+              <a:gd name="connsiteX1" fmla="*/ 2259550 w 4167271"/>
+              <a:gd name="connsiteY1" fmla="*/ 0 h 6858000"/>
+              <a:gd name="connsiteX2" fmla="*/ 2387803 w 4167271"/>
+              <a:gd name="connsiteY2" fmla="*/ 82222 h 6858000"/>
+              <a:gd name="connsiteX3" fmla="*/ 4167271 w 4167271"/>
+              <a:gd name="connsiteY3" fmla="*/ 3429000 h 6858000"/>
+              <a:gd name="connsiteX4" fmla="*/ 2387803 w 4167271"/>
+              <a:gd name="connsiteY4" fmla="*/ 6775779 h 6858000"/>
+              <a:gd name="connsiteX5" fmla="*/ 2259550 w 4167271"/>
+              <a:gd name="connsiteY5" fmla="*/ 6858000 h 6858000"/>
+              <a:gd name="connsiteX6" fmla="*/ 0 w 4167271"/>
+              <a:gd name="connsiteY6" fmla="*/ 6858000 h 6858000"/>
+            </a:gdLst>
+            <a:ahLst/>
+            <a:cxnLst>
+              <a:cxn ang="0">
+                <a:pos x="connsiteX0" y="connsiteY0"/>
+              </a:cxn>
+              <a:cxn ang="0">
+                <a:pos x="connsiteX1" y="connsiteY1"/>
+              </a:cxn>
+              <a:cxn ang="0">
+                <a:pos x="connsiteX2" y="connsiteY2"/>
+              </a:cxn>
+              <a:cxn ang="0">
+                <a:pos x="connsiteX3" y="connsiteY3"/>
+              </a:cxn>
+              <a:cxn ang="0">
+                <a:pos x="connsiteX4" y="connsiteY4"/>
+              </a:cxn>
+              <a:cxn ang="0">
+                <a:pos x="connsiteX5" y="connsiteY5"/>
+              </a:cxn>
+              <a:cxn ang="0">
+                <a:pos x="connsiteX6" y="connsiteY6"/>
+              </a:cxn>
+            </a:cxnLst>
+            <a:rect l="l" t="t" r="r" b="b"/>
+            <a:pathLst>
+              <a:path w="4167271" h="6858000">
+                <a:moveTo>
+                  <a:pt x="0" y="0"/>
+                </a:moveTo>
+                <a:lnTo>
+                  <a:pt x="2259550" y="0"/>
+                </a:lnTo>
+                <a:lnTo>
+                  <a:pt x="2387803" y="82222"/>
+                </a:lnTo>
+                <a:cubicBezTo>
+                  <a:pt x="3461407" y="807534"/>
+                  <a:pt x="4167271" y="2035835"/>
+                  <a:pt x="4167271" y="3429000"/>
+                </a:cubicBezTo>
+                <a:cubicBezTo>
+                  <a:pt x="4167271" y="4822165"/>
+                  <a:pt x="3461407" y="6050467"/>
+                  <a:pt x="2387803" y="6775779"/>
+                </a:cubicBezTo>
+                <a:lnTo>
+                  <a:pt x="2259550" y="6858000"/>
+                </a:lnTo>
+                <a:lnTo>
+                  <a:pt x="0" y="6858000"/>
+                </a:lnTo>
+                <a:close/>
+              </a:path>
+            </a:pathLst>
+          </a:custGeom>
+          <a:solidFill>
+            <a:schemeClr val="accent2"/>
+          </a:solidFill>
+          <a:ln>
+            <a:noFill/>
+          </a:ln>
+        </p:spPr>
+        <p:style>
+          <a:lnRef idx="2">
+            <a:schemeClr val="accent1">
+              <a:shade val="50000"/>
+            </a:schemeClr>
+          </a:lnRef>
+          <a:fillRef idx="1">
+            <a:schemeClr val="accent1"/>
+          </a:fillRef>
+          <a:effectRef idx="0">
+            <a:schemeClr val="accent1"/>
+          </a:effectRef>
+          <a:fontRef idx="minor">
+            <a:schemeClr val="lt1"/>
+          </a:fontRef>
+        </p:style>
+        <p:txBody>
+          <a:bodyPr rtlCol="0" anchor="ctr"/>
+          <a:lstStyle/>
+          <a:p>
+            <a:pPr algn="ctr"/>
+            <a:endParaRPr lang="en-US"/>
+          </a:p>
+        </p:txBody>
+      </p:sp>
+      <p:sp>
+        <p:nvSpPr>
+          <p:cNvPr id="2" name="Title 1">
+            <a:extLst>
+              <a:ext uri="{FF2B5EF4-FFF2-40B4-BE49-F238E27FC236}">
+                <a16:creationId xmlns:a16="http://schemas.microsoft.com/office/drawing/2014/main" id="{E1A02F0D-A23B-0E40-A788-AE71D66D943E}"/>
+              </a:ext>
+            </a:extLst>
+          </p:cNvPr>
+          <p:cNvSpPr>
+            <a:spLocks noGrp="1"/>
+          </p:cNvSpPr>
+          <p:nvPr>
+            <p:ph type="title"/>
+          </p:nvPr>
+        </p:nvSpPr>
+        <p:spPr>
+          <a:xfrm>
+            <a:off x="686834" y="1153572"/>
+            <a:ext cx="3200400" cy="4461163"/>
+          </a:xfrm>
+          <a:prstGeom prst="ellipse">
+            <a:avLst/>
+          </a:prstGeom>
+        </p:spPr>
+        <p:txBody>
+          <a:bodyPr vert="horz" lIns="91440" tIns="45720" rIns="91440" bIns="45720" rtlCol="0" anchor="ctr">
+            <a:normAutofit/>
+          </a:bodyPr>
+          <a:lstStyle/>
+          <a:p>
+            <a:r>
+              <a:rPr lang="en-US" sz="3100" dirty="0">
+                <a:solidFill>
+                  <a:srgbClr val="FFFFFF"/>
+                </a:solidFill>
+              </a:rPr>
+              <a:t>how to check if an year is a leap year</a:t>
+            </a:r>
+            <a:endParaRPr lang="en-US" sz="3100" kern="1200" dirty="0">
+              <a:solidFill>
+                <a:srgbClr val="FFFFFF"/>
+              </a:solidFill>
+              <a:latin typeface="+mj-lt"/>
+              <a:ea typeface="+mj-ea"/>
+              <a:cs typeface="+mj-cs"/>
+            </a:endParaRPr>
+          </a:p>
+        </p:txBody>
+      </p:sp>
+      <p:sp>
+        <p:nvSpPr>
+          <p:cNvPr id="31" name="Arc 30">
+            <a:extLst>
+              <a:ext uri="{FF2B5EF4-FFF2-40B4-BE49-F238E27FC236}">
+                <a16:creationId xmlns:a16="http://schemas.microsoft.com/office/drawing/2014/main" id="{081E4A58-353D-44AE-B2FC-2A74E2E400F7}"/>
+              </a:ext>
+              <a:ext uri="{C183D7F6-B498-43B3-948B-1728B52AA6E4}">
+                <adec:decorative xmlns:adec="http://schemas.microsoft.com/office/drawing/2017/decorative" val="1"/>
+              </a:ext>
+            </a:extLst>
+          </p:cNvPr>
+          <p:cNvSpPr>
+            <a:spLocks noGrp="1" noRot="1" noChangeAspect="1" noMove="1" noResize="1" noEditPoints="1" noAdjustHandles="1" noChangeArrowheads="1" noChangeShapeType="1" noTextEdit="1"/>
+          </p:cNvSpPr>
+          <p:nvPr>
+            <p:extLst>
+              <p:ext uri="{386F3935-93C4-4BCD-93E2-E3B085C9AB24}">
+                <p16:designElem xmlns:p16="http://schemas.microsoft.com/office/powerpoint/2015/main" val="1"/>
+              </p:ext>
+            </p:extLst>
+          </p:nvPr>
+        </p:nvSpPr>
+        <p:spPr>
+          <a:xfrm flipV="1">
+            <a:off x="7550402" y="2455479"/>
+            <a:ext cx="4083433" cy="4083433"/>
+          </a:xfrm>
+          <a:prstGeom prst="arc">
+            <a:avLst/>
+          </a:prstGeom>
+          <a:ln w="127000" cap="rnd">
+            <a:solidFill>
+              <a:schemeClr val="accent4"/>
+            </a:solidFill>
+            <a:prstDash val="dash"/>
+          </a:ln>
+        </p:spPr>
+        <p:style>
+          <a:lnRef idx="1">
+            <a:schemeClr val="accent1"/>
+          </a:lnRef>
+          <a:fillRef idx="0">
+            <a:schemeClr val="accent1"/>
+          </a:fillRef>
+          <a:effectRef idx="0">
+            <a:schemeClr val="accent1"/>
+          </a:effectRef>
+          <a:fontRef idx="minor">
+            <a:schemeClr val="tx1"/>
+          </a:fontRef>
+        </p:style>
+        <p:txBody>
+          <a:bodyPr rtlCol="0" anchor="ctr"/>
+          <a:lstStyle/>
+          <a:p>
+            <a:pPr algn="ctr"/>
+            <a:endParaRPr lang="en-US" dirty="0"/>
+          </a:p>
+        </p:txBody>
+      </p:sp>
+      <p:sp>
+        <p:nvSpPr>
+          <p:cNvPr id="4" name="Date Placeholder 3">
+            <a:extLst>
+              <a:ext uri="{FF2B5EF4-FFF2-40B4-BE49-F238E27FC236}">
+                <a16:creationId xmlns:a16="http://schemas.microsoft.com/office/drawing/2014/main" id="{E0B8CDB3-DF52-BD40-835E-53C2C836C174}"/>
+              </a:ext>
+            </a:extLst>
+          </p:cNvPr>
+          <p:cNvSpPr>
+            <a:spLocks noGrp="1"/>
+          </p:cNvSpPr>
+          <p:nvPr>
+            <p:ph type="dt" sz="half" idx="10"/>
+          </p:nvPr>
+        </p:nvSpPr>
+        <p:spPr>
+          <a:xfrm>
+            <a:off x="838200" y="6356350"/>
+            <a:ext cx="1639957" cy="365125"/>
+          </a:xfrm>
+        </p:spPr>
+        <p:txBody>
+          <a:bodyPr vert="horz" lIns="91440" tIns="45720" rIns="91440" bIns="45720" rtlCol="0" anchor="ctr">
+            <a:normAutofit/>
+          </a:bodyPr>
+          <a:lstStyle/>
+          <a:p>
+            <a:pPr>
+              <a:spcAft>
+                <a:spcPts val="600"/>
+              </a:spcAft>
+            </a:pPr>
+            <a:fld id="{85A80B37-905A-A743-A91C-A605D6B805A7}" type="datetime1">
+              <a:rPr lang="en-US">
+                <a:solidFill>
+                  <a:srgbClr val="FFFFFF"/>
+                </a:solidFill>
+              </a:rPr>
+              <a:pPr>
+                <a:spcAft>
+                  <a:spcPts val="600"/>
+                </a:spcAft>
+              </a:pPr>
+              <a:t>5/30/20</a:t>
+            </a:fld>
+            <a:endParaRPr lang="en-US">
+              <a:solidFill>
+                <a:srgbClr val="FFFFFF"/>
+              </a:solidFill>
+            </a:endParaRPr>
+          </a:p>
+        </p:txBody>
+      </p:sp>
+      <p:sp>
+        <p:nvSpPr>
+          <p:cNvPr id="5" name="Footer Placeholder 4">
+            <a:extLst>
+              <a:ext uri="{FF2B5EF4-FFF2-40B4-BE49-F238E27FC236}">
+                <a16:creationId xmlns:a16="http://schemas.microsoft.com/office/drawing/2014/main" id="{AAA79E73-7D28-9B47-B2DD-090D9A3943A1}"/>
+              </a:ext>
+            </a:extLst>
+          </p:cNvPr>
+          <p:cNvSpPr>
+            <a:spLocks noGrp="1"/>
+          </p:cNvSpPr>
+          <p:nvPr>
+            <p:ph type="ftr" sz="quarter" idx="11"/>
+          </p:nvPr>
+        </p:nvSpPr>
+        <p:spPr>
+          <a:xfrm>
+            <a:off x="4038600" y="6356350"/>
+            <a:ext cx="5251174" cy="365125"/>
+          </a:xfrm>
+        </p:spPr>
+        <p:txBody>
+          <a:bodyPr vert="horz" lIns="91440" tIns="45720" rIns="91440" bIns="45720" rtlCol="0" anchor="ctr">
+            <a:normAutofit/>
+          </a:bodyPr>
+          <a:lstStyle/>
+          <a:p>
+            <a:pPr>
+              <a:spcAft>
+                <a:spcPts val="600"/>
+              </a:spcAft>
+            </a:pPr>
+            <a:r>
+              <a:rPr lang="en-US" kern="1200">
+                <a:solidFill>
+                  <a:schemeClr val="tx1">
+                    <a:tint val="75000"/>
+                  </a:schemeClr>
+                </a:solidFill>
+                <a:latin typeface="+mn-lt"/>
+                <a:ea typeface="+mn-ea"/>
+                <a:cs typeface="+mn-cs"/>
+              </a:rPr>
+              <a:t>TOTAL TECHNOLOGY </a:t>
+            </a:r>
+          </a:p>
+        </p:txBody>
+      </p:sp>
+      <p:sp>
+        <p:nvSpPr>
+          <p:cNvPr id="6" name="Slide Number Placeholder 5">
+            <a:extLst>
+              <a:ext uri="{FF2B5EF4-FFF2-40B4-BE49-F238E27FC236}">
+                <a16:creationId xmlns:a16="http://schemas.microsoft.com/office/drawing/2014/main" id="{8B83974F-3AC1-E441-93ED-47920D256F14}"/>
+              </a:ext>
+            </a:extLst>
+          </p:cNvPr>
+          <p:cNvSpPr>
+            <a:spLocks noGrp="1"/>
+          </p:cNvSpPr>
+          <p:nvPr>
+            <p:ph type="sldNum" sz="quarter" idx="12"/>
+          </p:nvPr>
+        </p:nvSpPr>
+        <p:spPr>
+          <a:xfrm>
+            <a:off x="9541564" y="6356350"/>
+            <a:ext cx="1812235" cy="365125"/>
+          </a:xfrm>
+        </p:spPr>
+        <p:txBody>
+          <a:bodyPr vert="horz" lIns="91440" tIns="45720" rIns="91440" bIns="45720" rtlCol="0" anchor="ctr">
+            <a:normAutofit/>
+          </a:bodyPr>
+          <a:lstStyle/>
+          <a:p>
+            <a:pPr>
+              <a:spcAft>
+                <a:spcPts val="600"/>
+              </a:spcAft>
+            </a:pPr>
+            <a:fld id="{3276C40E-97DB-2248-A55E-B7EA991DACFB}" type="slidenum">
+              <a:rPr lang="en-US"/>
+              <a:pPr>
+                <a:spcAft>
+                  <a:spcPts val="600"/>
+                </a:spcAft>
+              </a:pPr>
+              <a:t>3</a:t>
+            </a:fld>
+            <a:endParaRPr lang="en-US"/>
+          </a:p>
+        </p:txBody>
+      </p:sp>
+      <p:sp>
+        <p:nvSpPr>
+          <p:cNvPr id="8" name="TextBox 7">
+            <a:extLst>
+              <a:ext uri="{FF2B5EF4-FFF2-40B4-BE49-F238E27FC236}">
+                <a16:creationId xmlns:a16="http://schemas.microsoft.com/office/drawing/2014/main" id="{D89E77CA-BD39-AC4F-BB82-76D65E117BE5}"/>
+              </a:ext>
+            </a:extLst>
+          </p:cNvPr>
+          <p:cNvSpPr txBox="1"/>
+          <p:nvPr/>
+        </p:nvSpPr>
+        <p:spPr>
+          <a:xfrm>
+            <a:off x="479138" y="2795379"/>
+            <a:ext cx="9833548" cy="2693976"/>
+          </a:xfrm>
+          <a:prstGeom prst="rect">
+            <a:avLst/>
+          </a:prstGeom>
+        </p:spPr>
+        <p:txBody>
+          <a:bodyPr vert="horz" lIns="91440" tIns="45720" rIns="91440" bIns="45720" rtlCol="0">
+            <a:normAutofit/>
+          </a:bodyPr>
+          <a:lstStyle/>
+          <a:p>
+            <a:pPr marL="285750" indent="-228600">
+              <a:lnSpc>
+                <a:spcPct val="90000"/>
+              </a:lnSpc>
+              <a:spcAft>
+                <a:spcPts val="600"/>
+              </a:spcAft>
+              <a:buFont typeface="Arial" panose="020B0604020202020204" pitchFamily="34" charset="0"/>
+              <a:buChar char="•"/>
+            </a:pPr>
+            <a:endParaRPr lang="en-US" sz="1900">
+              <a:solidFill>
+                <a:srgbClr val="000000"/>
+              </a:solidFill>
+            </a:endParaRPr>
+          </a:p>
+          <a:p>
+            <a:pPr indent="-228600">
+              <a:lnSpc>
+                <a:spcPct val="90000"/>
+              </a:lnSpc>
+              <a:spcAft>
+                <a:spcPts val="600"/>
+              </a:spcAft>
+              <a:buFont typeface="Arial" panose="020B0604020202020204" pitchFamily="34" charset="0"/>
+              <a:buChar char="•"/>
+            </a:pPr>
+            <a:endParaRPr lang="en-US" sz="1900">
+              <a:solidFill>
+                <a:srgbClr val="000000"/>
+              </a:solidFill>
+            </a:endParaRPr>
+          </a:p>
+          <a:p>
+            <a:pPr indent="-228600">
+              <a:lnSpc>
+                <a:spcPct val="90000"/>
+              </a:lnSpc>
+              <a:spcAft>
+                <a:spcPts val="600"/>
+              </a:spcAft>
+              <a:buFont typeface="Arial" panose="020B0604020202020204" pitchFamily="34" charset="0"/>
+              <a:buChar char="•"/>
+            </a:pPr>
+            <a:endParaRPr lang="en-US" sz="1900">
+              <a:solidFill>
+                <a:srgbClr val="000000"/>
+              </a:solidFill>
+            </a:endParaRPr>
+          </a:p>
+        </p:txBody>
+      </p:sp>
+      <p:sp>
+        <p:nvSpPr>
+          <p:cNvPr id="10" name="TextBox 9">
+            <a:extLst>
+              <a:ext uri="{FF2B5EF4-FFF2-40B4-BE49-F238E27FC236}">
+                <a16:creationId xmlns:a16="http://schemas.microsoft.com/office/drawing/2014/main" id="{858FF408-DF7A-764B-BA56-026A44421619}"/>
+              </a:ext>
+            </a:extLst>
+          </p:cNvPr>
+          <p:cNvSpPr txBox="1"/>
+          <p:nvPr/>
+        </p:nvSpPr>
+        <p:spPr>
+          <a:xfrm>
+            <a:off x="5051754" y="1153572"/>
+            <a:ext cx="184731" cy="923330"/>
+          </a:xfrm>
+          <a:prstGeom prst="rect">
+            <a:avLst/>
+          </a:prstGeom>
+          <a:noFill/>
+        </p:spPr>
+        <p:txBody>
+          <a:bodyPr wrap="none" rtlCol="0">
+            <a:spAutoFit/>
+          </a:bodyPr>
+          <a:lstStyle/>
+          <a:p>
+            <a:br>
+              <a:rPr lang="en-GB"/>
+            </a:br>
+            <a:endParaRPr lang="en-GB"/>
+          </a:p>
+          <a:p>
+            <a:endParaRPr lang="en-DE"/>
+          </a:p>
+        </p:txBody>
+      </p:sp>
+    </p:spTree>
+    <p:extLst>
+      <p:ext uri="{BB962C8B-B14F-4D97-AF65-F5344CB8AC3E}">
+        <p14:creationId xmlns:p14="http://schemas.microsoft.com/office/powerpoint/2010/main" val="1968591341"/>
       </p:ext>
     </p:extLst>
   </p:cSld>

--- a/tutorial42/RUST_TUTORIAL_42_SLIDE.pptx
+++ b/tutorial42/RUST_TUTORIAL_42_SLIDE.pptx
@@ -5182,6 +5182,44 @@
             <a:endParaRPr lang="en-GB"/>
           </a:p>
           <a:p>
+            <a:endParaRPr lang="en-DE"/>
+          </a:p>
+        </p:txBody>
+      </p:sp>
+      <p:sp>
+        <p:nvSpPr>
+          <p:cNvPr id="3" name="TextBox 2">
+            <a:extLst>
+              <a:ext uri="{FF2B5EF4-FFF2-40B4-BE49-F238E27FC236}">
+                <a16:creationId xmlns:a16="http://schemas.microsoft.com/office/drawing/2014/main" id="{F6B1AFE7-6D1B-8142-89EE-39A61CA688C6}"/>
+              </a:ext>
+            </a:extLst>
+          </p:cNvPr>
+          <p:cNvSpPr txBox="1"/>
+          <p:nvPr/>
+        </p:nvSpPr>
+        <p:spPr>
+          <a:xfrm>
+            <a:off x="4478215" y="1172308"/>
+            <a:ext cx="4611904" cy="369332"/>
+          </a:xfrm>
+          <a:prstGeom prst="rect">
+            <a:avLst/>
+          </a:prstGeom>
+          <a:noFill/>
+        </p:spPr>
+        <p:txBody>
+          <a:bodyPr wrap="none" rtlCol="0">
+            <a:spAutoFit/>
+          </a:bodyPr>
+          <a:lstStyle/>
+          <a:p>
+            <a:r>
+              <a:rPr lang="en-GB">
+                <a:hlinkClick r:id="rId2"/>
+              </a:rPr>
+              <a:t>https://github.com/ronidas39/RUST_TUTORIAL</a:t>
+            </a:r>
             <a:endParaRPr lang="en-DE"/>
           </a:p>
         </p:txBody>
